--- a/第2期バックエンドパワポ.pptx
+++ b/第2期バックエンドパワポ.pptx
@@ -26,6 +26,7 @@
     <p:sldId id="273" r:id="rId20"/>
     <p:sldId id="275" r:id="rId21"/>
     <p:sldId id="276" r:id="rId22"/>
+    <p:sldId id="277" r:id="rId23"/>
   </p:sldIdLst>
   <p:sldSz cx="12192000" cy="6858000"/>
   <p:notesSz cx="6858000" cy="9144000"/>
@@ -279,7 +280,7 @@
           <a:p>
             <a:fld id="{E454FB36-7463-4CDC-9AAB-3B256E6424DA}" type="datetimeFigureOut">
               <a:rPr kumimoji="1" lang="ja-JP" altLang="en-US" smtClean="0"/>
-              <a:t>2022/6/14</a:t>
+              <a:t>2022/7/1</a:t>
             </a:fld>
             <a:endParaRPr kumimoji="1" lang="ja-JP" altLang="en-US"/>
           </a:p>
@@ -509,7 +510,7 @@
           <a:p>
             <a:fld id="{E454FB36-7463-4CDC-9AAB-3B256E6424DA}" type="datetimeFigureOut">
               <a:rPr kumimoji="1" lang="ja-JP" altLang="en-US" smtClean="0"/>
-              <a:t>2022/6/14</a:t>
+              <a:t>2022/7/1</a:t>
             </a:fld>
             <a:endParaRPr kumimoji="1" lang="ja-JP" altLang="en-US"/>
           </a:p>
@@ -749,7 +750,7 @@
           <a:p>
             <a:fld id="{E454FB36-7463-4CDC-9AAB-3B256E6424DA}" type="datetimeFigureOut">
               <a:rPr kumimoji="1" lang="ja-JP" altLang="en-US" smtClean="0"/>
-              <a:t>2022/6/14</a:t>
+              <a:t>2022/7/1</a:t>
             </a:fld>
             <a:endParaRPr kumimoji="1" lang="ja-JP" altLang="en-US"/>
           </a:p>
@@ -979,7 +980,7 @@
           <a:p>
             <a:fld id="{E454FB36-7463-4CDC-9AAB-3B256E6424DA}" type="datetimeFigureOut">
               <a:rPr kumimoji="1" lang="ja-JP" altLang="en-US" smtClean="0"/>
-              <a:t>2022/6/14</a:t>
+              <a:t>2022/7/1</a:t>
             </a:fld>
             <a:endParaRPr kumimoji="1" lang="ja-JP" altLang="en-US"/>
           </a:p>
@@ -1254,7 +1255,7 @@
           <a:p>
             <a:fld id="{E454FB36-7463-4CDC-9AAB-3B256E6424DA}" type="datetimeFigureOut">
               <a:rPr kumimoji="1" lang="ja-JP" altLang="en-US" smtClean="0"/>
-              <a:t>2022/6/14</a:t>
+              <a:t>2022/7/1</a:t>
             </a:fld>
             <a:endParaRPr kumimoji="1" lang="ja-JP" altLang="en-US"/>
           </a:p>
@@ -1583,7 +1584,7 @@
           <a:p>
             <a:fld id="{E454FB36-7463-4CDC-9AAB-3B256E6424DA}" type="datetimeFigureOut">
               <a:rPr kumimoji="1" lang="ja-JP" altLang="en-US" smtClean="0"/>
-              <a:t>2022/6/14</a:t>
+              <a:t>2022/7/1</a:t>
             </a:fld>
             <a:endParaRPr kumimoji="1" lang="ja-JP" altLang="en-US"/>
           </a:p>
@@ -2059,7 +2060,7 @@
           <a:p>
             <a:fld id="{E454FB36-7463-4CDC-9AAB-3B256E6424DA}" type="datetimeFigureOut">
               <a:rPr kumimoji="1" lang="ja-JP" altLang="en-US" smtClean="0"/>
-              <a:t>2022/6/14</a:t>
+              <a:t>2022/7/1</a:t>
             </a:fld>
             <a:endParaRPr kumimoji="1" lang="ja-JP" altLang="en-US"/>
           </a:p>
@@ -2200,7 +2201,7 @@
           <a:p>
             <a:fld id="{E454FB36-7463-4CDC-9AAB-3B256E6424DA}" type="datetimeFigureOut">
               <a:rPr kumimoji="1" lang="ja-JP" altLang="en-US" smtClean="0"/>
-              <a:t>2022/6/14</a:t>
+              <a:t>2022/7/1</a:t>
             </a:fld>
             <a:endParaRPr kumimoji="1" lang="ja-JP" altLang="en-US"/>
           </a:p>
@@ -2313,7 +2314,7 @@
           <a:p>
             <a:fld id="{E454FB36-7463-4CDC-9AAB-3B256E6424DA}" type="datetimeFigureOut">
               <a:rPr kumimoji="1" lang="ja-JP" altLang="en-US" smtClean="0"/>
-              <a:t>2022/6/14</a:t>
+              <a:t>2022/7/1</a:t>
             </a:fld>
             <a:endParaRPr kumimoji="1" lang="ja-JP" altLang="en-US"/>
           </a:p>
@@ -2656,7 +2657,7 @@
           <a:p>
             <a:fld id="{E454FB36-7463-4CDC-9AAB-3B256E6424DA}" type="datetimeFigureOut">
               <a:rPr kumimoji="1" lang="ja-JP" altLang="en-US" smtClean="0"/>
-              <a:t>2022/6/14</a:t>
+              <a:t>2022/7/1</a:t>
             </a:fld>
             <a:endParaRPr kumimoji="1" lang="ja-JP" altLang="en-US"/>
           </a:p>
@@ -2944,7 +2945,7 @@
           <a:p>
             <a:fld id="{E454FB36-7463-4CDC-9AAB-3B256E6424DA}" type="datetimeFigureOut">
               <a:rPr kumimoji="1" lang="ja-JP" altLang="en-US" smtClean="0"/>
-              <a:t>2022/6/14</a:t>
+              <a:t>2022/7/1</a:t>
             </a:fld>
             <a:endParaRPr kumimoji="1" lang="ja-JP" altLang="en-US"/>
           </a:p>
@@ -3217,7 +3218,7 @@
           <a:p>
             <a:fld id="{E454FB36-7463-4CDC-9AAB-3B256E6424DA}" type="datetimeFigureOut">
               <a:rPr kumimoji="1" lang="ja-JP" altLang="en-US" smtClean="0"/>
-              <a:t>2022/6/14</a:t>
+              <a:t>2022/7/1</a:t>
             </a:fld>
             <a:endParaRPr kumimoji="1" lang="ja-JP" altLang="en-US"/>
           </a:p>
@@ -6703,6 +6704,156 @@
 </p:sld>
 </file>
 
+<file path=ppt/slides/slide22.xml><?xml version="1.0" encoding="utf-8"?>
+<p:sld xmlns:a="http://schemas.openxmlformats.org/drawingml/2006/main" xmlns:r="http://schemas.openxmlformats.org/officeDocument/2006/relationships" xmlns:p="http://schemas.openxmlformats.org/presentationml/2006/main">
+  <p:cSld>
+    <p:spTree>
+      <p:nvGrpSpPr>
+        <p:cNvPr id="1" name=""/>
+        <p:cNvGrpSpPr/>
+        <p:nvPr/>
+      </p:nvGrpSpPr>
+      <p:grpSpPr>
+        <a:xfrm>
+          <a:off x="0" y="0"/>
+          <a:ext cx="0" cy="0"/>
+          <a:chOff x="0" y="0"/>
+          <a:chExt cx="0" cy="0"/>
+        </a:xfrm>
+      </p:grpSpPr>
+      <p:sp>
+        <p:nvSpPr>
+          <p:cNvPr id="2" name="タイトル 1">
+            <a:extLst>
+              <a:ext uri="{FF2B5EF4-FFF2-40B4-BE49-F238E27FC236}">
+                <a16:creationId xmlns:a16="http://schemas.microsoft.com/office/drawing/2014/main" id="{8126DE4A-9709-41C4-B867-BD78889490E1}"/>
+              </a:ext>
+            </a:extLst>
+          </p:cNvPr>
+          <p:cNvSpPr>
+            <a:spLocks noGrp="1"/>
+          </p:cNvSpPr>
+          <p:nvPr>
+            <p:ph type="title"/>
+          </p:nvPr>
+        </p:nvSpPr>
+        <p:spPr>
+          <a:xfrm>
+            <a:off x="838200" y="365125"/>
+            <a:ext cx="10515600" cy="1325563"/>
+          </a:xfrm>
+        </p:spPr>
+        <p:txBody>
+          <a:bodyPr>
+            <a:normAutofit/>
+          </a:bodyPr>
+          <a:lstStyle/>
+          <a:p>
+            <a:r>
+              <a:rPr kumimoji="1" lang="en-US" altLang="ja-JP" sz="6000" dirty="0"/>
+              <a:t>07/01</a:t>
+            </a:r>
+            <a:r>
+              <a:rPr kumimoji="1" lang="ja-JP" altLang="en-US" sz="6000" dirty="0"/>
+              <a:t>　更新することない</a:t>
+            </a:r>
+          </a:p>
+        </p:txBody>
+      </p:sp>
+      <p:sp>
+        <p:nvSpPr>
+          <p:cNvPr id="4" name="テキスト ボックス 3">
+            <a:extLst>
+              <a:ext uri="{FF2B5EF4-FFF2-40B4-BE49-F238E27FC236}">
+                <a16:creationId xmlns:a16="http://schemas.microsoft.com/office/drawing/2014/main" id="{24AF89CC-9B67-41EE-8FA9-A9E04FDEB456}"/>
+              </a:ext>
+            </a:extLst>
+          </p:cNvPr>
+          <p:cNvSpPr txBox="1"/>
+          <p:nvPr/>
+        </p:nvSpPr>
+        <p:spPr>
+          <a:xfrm>
+            <a:off x="838200" y="2150964"/>
+            <a:ext cx="10271760" cy="4401205"/>
+          </a:xfrm>
+          <a:prstGeom prst="rect">
+            <a:avLst/>
+          </a:prstGeom>
+          <a:noFill/>
+        </p:spPr>
+        <p:txBody>
+          <a:bodyPr wrap="square" rtlCol="0">
+            <a:spAutoFit/>
+          </a:bodyPr>
+          <a:lstStyle/>
+          <a:p>
+            <a:r>
+              <a:rPr lang="ja-JP" altLang="en-US" sz="4000" dirty="0"/>
+              <a:t>実力の</a:t>
+            </a:r>
+            <a:r>
+              <a:rPr lang="en-US" altLang="ja-JP" sz="4000" dirty="0"/>
+              <a:t>80</a:t>
+            </a:r>
+            <a:r>
+              <a:rPr lang="ja-JP" altLang="en-US" sz="4000" dirty="0"/>
+              <a:t>％ですべてできるのがよろしい</a:t>
+            </a:r>
+            <a:endParaRPr lang="en-US" altLang="ja-JP" sz="4000" dirty="0"/>
+          </a:p>
+          <a:p>
+            <a:r>
+              <a:rPr kumimoji="1" lang="ja-JP" altLang="en-US" sz="4000" dirty="0"/>
+              <a:t>提出物であれ制作物であれ</a:t>
+            </a:r>
+            <a:endParaRPr kumimoji="1" lang="en-US" altLang="ja-JP" sz="4000" dirty="0"/>
+          </a:p>
+          <a:p>
+            <a:r>
+              <a:rPr kumimoji="1" lang="ja-JP" altLang="en-US" sz="4000" dirty="0"/>
+              <a:t>余力をうまく生かそう</a:t>
+            </a:r>
+            <a:endParaRPr kumimoji="1" lang="en-US" altLang="ja-JP" sz="4000" dirty="0"/>
+          </a:p>
+          <a:p>
+            <a:endParaRPr lang="en-US" altLang="ja-JP" sz="4000" dirty="0"/>
+          </a:p>
+          <a:p>
+            <a:r>
+              <a:rPr kumimoji="1" lang="ja-JP" altLang="en-US" sz="4000" dirty="0"/>
+              <a:t>あと資料作成が必要になったら</a:t>
+            </a:r>
+            <a:endParaRPr kumimoji="1" lang="en-US" altLang="ja-JP" sz="4000" dirty="0"/>
+          </a:p>
+          <a:p>
+            <a:r>
+              <a:rPr lang="ja-JP" altLang="en-US" sz="4000" dirty="0"/>
+              <a:t>とりあえず手を付けよう</a:t>
+            </a:r>
+            <a:endParaRPr lang="en-US" altLang="ja-JP" sz="4000" dirty="0"/>
+          </a:p>
+          <a:p>
+            <a:r>
+              <a:rPr kumimoji="1" lang="ja-JP" altLang="en-US" sz="4000" dirty="0"/>
+              <a:t>初動が一番重いからだ</a:t>
+            </a:r>
+          </a:p>
+        </p:txBody>
+      </p:sp>
+    </p:spTree>
+    <p:extLst>
+      <p:ext uri="{BB962C8B-B14F-4D97-AF65-F5344CB8AC3E}">
+        <p14:creationId xmlns:p14="http://schemas.microsoft.com/office/powerpoint/2010/main" val="2000206345"/>
+      </p:ext>
+    </p:extLst>
+  </p:cSld>
+  <p:clrMapOvr>
+    <a:masterClrMapping/>
+  </p:clrMapOvr>
+</p:sld>
+</file>
+
 <file path=ppt/slides/slide3.xml><?xml version="1.0" encoding="utf-8"?>
 <p:sld xmlns:a="http://schemas.openxmlformats.org/drawingml/2006/main" xmlns:r="http://schemas.openxmlformats.org/officeDocument/2006/relationships" xmlns:p="http://schemas.openxmlformats.org/presentationml/2006/main">
   <p:cSld>
